--- a/LaaS_Vorstellung.pptx
+++ b/LaaS_Vorstellung.pptx
@@ -5,10 +5,10 @@
     <p:sldMasterId id="2147483648" r:id="rId1"/>
   </p:sldMasterIdLst>
   <p:notesMasterIdLst>
-    <p:notesMasterId r:id="rId18"/>
+    <p:notesMasterId r:id="rId19"/>
   </p:notesMasterIdLst>
   <p:handoutMasterIdLst>
-    <p:handoutMasterId r:id="rId19"/>
+    <p:handoutMasterId r:id="rId20"/>
   </p:handoutMasterIdLst>
   <p:sldIdLst>
     <p:sldId id="256" r:id="rId2"/>
@@ -27,6 +27,7 @@
     <p:sldId id="274" r:id="rId15"/>
     <p:sldId id="275" r:id="rId16"/>
     <p:sldId id="276" r:id="rId17"/>
+    <p:sldId id="277" r:id="rId18"/>
   </p:sldIdLst>
   <p:sldSz cx="12192000" cy="6858000"/>
   <p:notesSz cx="6858000" cy="9144000"/>
@@ -16352,6 +16353,186 @@
 </p:sld>
 </file>
 
+<file path=ppt/slides/slide17.xml><?xml version="1.0" encoding="utf-8"?>
+<p:sld xmlns:a="http://schemas.openxmlformats.org/drawingml/2006/main" xmlns:r="http://schemas.openxmlformats.org/officeDocument/2006/relationships" xmlns:p="http://schemas.openxmlformats.org/presentationml/2006/main">
+  <p:cSld>
+    <p:spTree>
+      <p:nvGrpSpPr>
+        <p:cNvPr id="1" name=""/>
+        <p:cNvGrpSpPr/>
+        <p:nvPr/>
+      </p:nvGrpSpPr>
+      <p:grpSpPr>
+        <a:xfrm>
+          <a:off x="0" y="0"/>
+          <a:ext cx="0" cy="0"/>
+          <a:chOff x="0" y="0"/>
+          <a:chExt cx="0" cy="0"/>
+        </a:xfrm>
+      </p:grpSpPr>
+      <p:sp>
+        <p:nvSpPr>
+          <p:cNvPr id="2" name="Textplatzhalter 1">
+            <a:extLst>
+              <a:ext uri="{FF2B5EF4-FFF2-40B4-BE49-F238E27FC236}">
+                <a16:creationId xmlns:a16="http://schemas.microsoft.com/office/drawing/2014/main" id="{79AF7079-9BEC-41CD-BCB1-1D0C9D25D8B7}"/>
+              </a:ext>
+            </a:extLst>
+          </p:cNvPr>
+          <p:cNvSpPr>
+            <a:spLocks noGrp="1"/>
+          </p:cNvSpPr>
+          <p:nvPr>
+            <p:ph type="body" idx="1"/>
+          </p:nvPr>
+        </p:nvSpPr>
+        <p:spPr>
+          <a:xfrm>
+            <a:off x="938213" y="3017044"/>
+            <a:ext cx="5157787" cy="823912"/>
+          </a:xfrm>
+        </p:spPr>
+        <p:txBody>
+          <a:bodyPr>
+            <a:normAutofit fontScale="92500" lnSpcReduction="10000"/>
+          </a:bodyPr>
+          <a:lstStyle/>
+          <a:p>
+            <a:r>
+              <a:rPr lang="de-DE" sz="6000" dirty="0"/>
+              <a:t>Danke!😁</a:t>
+            </a:r>
+          </a:p>
+        </p:txBody>
+      </p:sp>
+      <p:sp>
+        <p:nvSpPr>
+          <p:cNvPr id="6" name="Titel 5">
+            <a:extLst>
+              <a:ext uri="{FF2B5EF4-FFF2-40B4-BE49-F238E27FC236}">
+                <a16:creationId xmlns:a16="http://schemas.microsoft.com/office/drawing/2014/main" id="{003C7199-C645-424A-876C-03A33C1FA2F7}"/>
+              </a:ext>
+            </a:extLst>
+          </p:cNvPr>
+          <p:cNvSpPr>
+            <a:spLocks noGrp="1"/>
+          </p:cNvSpPr>
+          <p:nvPr>
+            <p:ph type="title"/>
+          </p:nvPr>
+        </p:nvSpPr>
+        <p:spPr/>
+        <p:txBody>
+          <a:bodyPr/>
+          <a:lstStyle/>
+          <a:p>
+            <a:endParaRPr lang="de-DE"/>
+          </a:p>
+        </p:txBody>
+      </p:sp>
+      <p:sp>
+        <p:nvSpPr>
+          <p:cNvPr id="7" name="Datumsplatzhalter 6">
+            <a:extLst>
+              <a:ext uri="{FF2B5EF4-FFF2-40B4-BE49-F238E27FC236}">
+                <a16:creationId xmlns:a16="http://schemas.microsoft.com/office/drawing/2014/main" id="{30F72CEA-19B9-4445-AAB4-4780BBA17A6A}"/>
+              </a:ext>
+            </a:extLst>
+          </p:cNvPr>
+          <p:cNvSpPr>
+            <a:spLocks noGrp="1"/>
+          </p:cNvSpPr>
+          <p:nvPr>
+            <p:ph type="dt" sz="half" idx="10"/>
+          </p:nvPr>
+        </p:nvSpPr>
+        <p:spPr/>
+        <p:txBody>
+          <a:bodyPr/>
+          <a:lstStyle/>
+          <a:p>
+            <a:r>
+              <a:rPr lang="de-DE" dirty="0"/>
+              <a:t>20.05.2022</a:t>
+            </a:r>
+          </a:p>
+        </p:txBody>
+      </p:sp>
+      <p:sp>
+        <p:nvSpPr>
+          <p:cNvPr id="8" name="Fußzeilenplatzhalter 7">
+            <a:extLst>
+              <a:ext uri="{FF2B5EF4-FFF2-40B4-BE49-F238E27FC236}">
+                <a16:creationId xmlns:a16="http://schemas.microsoft.com/office/drawing/2014/main" id="{7AD3C118-2C99-417E-A311-C879D44FF053}"/>
+              </a:ext>
+            </a:extLst>
+          </p:cNvPr>
+          <p:cNvSpPr>
+            <a:spLocks noGrp="1"/>
+          </p:cNvSpPr>
+          <p:nvPr>
+            <p:ph type="ftr" sz="quarter" idx="11"/>
+          </p:nvPr>
+        </p:nvSpPr>
+        <p:spPr/>
+        <p:txBody>
+          <a:bodyPr/>
+          <a:lstStyle/>
+          <a:p>
+            <a:r>
+              <a:rPr lang="de-DE" dirty="0" err="1"/>
+              <a:t>LaaS</a:t>
+            </a:r>
+            <a:r>
+              <a:rPr lang="de-DE" dirty="0"/>
+              <a:t> | Pitch</a:t>
+            </a:r>
+          </a:p>
+        </p:txBody>
+      </p:sp>
+      <p:sp>
+        <p:nvSpPr>
+          <p:cNvPr id="9" name="Foliennummernplatzhalter 8">
+            <a:extLst>
+              <a:ext uri="{FF2B5EF4-FFF2-40B4-BE49-F238E27FC236}">
+                <a16:creationId xmlns:a16="http://schemas.microsoft.com/office/drawing/2014/main" id="{453E3C07-3571-4303-93C5-B925E141F6F8}"/>
+              </a:ext>
+            </a:extLst>
+          </p:cNvPr>
+          <p:cNvSpPr>
+            <a:spLocks noGrp="1"/>
+          </p:cNvSpPr>
+          <p:nvPr>
+            <p:ph type="sldNum" sz="quarter" idx="12"/>
+          </p:nvPr>
+        </p:nvSpPr>
+        <p:spPr/>
+        <p:txBody>
+          <a:bodyPr/>
+          <a:lstStyle/>
+          <a:p>
+            <a:fld id="{CE386B94-DEB7-4515-9329-872900878943}" type="slidenum">
+              <a:rPr lang="de-DE" smtClean="0"/>
+              <a:pPr/>
+              <a:t>17</a:t>
+            </a:fld>
+            <a:endParaRPr lang="de-DE" dirty="0"/>
+          </a:p>
+        </p:txBody>
+      </p:sp>
+    </p:spTree>
+    <p:extLst>
+      <p:ext uri="{BB962C8B-B14F-4D97-AF65-F5344CB8AC3E}">
+        <p14:creationId xmlns:p14="http://schemas.microsoft.com/office/powerpoint/2010/main" val="2365516932"/>
+      </p:ext>
+    </p:extLst>
+  </p:cSld>
+  <p:clrMapOvr>
+    <a:masterClrMapping/>
+  </p:clrMapOvr>
+</p:sld>
+</file>
+
 <file path=ppt/slides/slide2.xml><?xml version="1.0" encoding="utf-8"?>
 <p:sld xmlns:a="http://schemas.openxmlformats.org/drawingml/2006/main" xmlns:r="http://schemas.openxmlformats.org/officeDocument/2006/relationships" xmlns:p="http://schemas.openxmlformats.org/presentationml/2006/main">
   <p:cSld>
